--- a/doc/SoftwareDesign/SAM.pptx
+++ b/doc/SoftwareDesign/SAM.pptx
@@ -259,7 +259,7 @@
           <a:p>
             <a:fld id="{DE66DB88-9E26-428B-8F51-E7FD7D49F56D}" type="datetimeFigureOut">
               <a:rPr lang="zh-CN" altLang="en-US" smtClean="0"/>
-              <a:t>2022/04/15</a:t>
+              <a:t>2022/07/30</a:t>
             </a:fld>
             <a:endParaRPr lang="zh-CN" altLang="en-US"/>
           </a:p>
@@ -457,7 +457,7 @@
           <a:p>
             <a:fld id="{DE66DB88-9E26-428B-8F51-E7FD7D49F56D}" type="datetimeFigureOut">
               <a:rPr lang="zh-CN" altLang="en-US" smtClean="0"/>
-              <a:t>2022/04/15</a:t>
+              <a:t>2022/07/30</a:t>
             </a:fld>
             <a:endParaRPr lang="zh-CN" altLang="en-US"/>
           </a:p>
@@ -665,7 +665,7 @@
           <a:p>
             <a:fld id="{DE66DB88-9E26-428B-8F51-E7FD7D49F56D}" type="datetimeFigureOut">
               <a:rPr lang="zh-CN" altLang="en-US" smtClean="0"/>
-              <a:t>2022/04/15</a:t>
+              <a:t>2022/07/30</a:t>
             </a:fld>
             <a:endParaRPr lang="zh-CN" altLang="en-US"/>
           </a:p>
@@ -863,7 +863,7 @@
           <a:p>
             <a:fld id="{DE66DB88-9E26-428B-8F51-E7FD7D49F56D}" type="datetimeFigureOut">
               <a:rPr lang="zh-CN" altLang="en-US" smtClean="0"/>
-              <a:t>2022/04/15</a:t>
+              <a:t>2022/07/30</a:t>
             </a:fld>
             <a:endParaRPr lang="zh-CN" altLang="en-US"/>
           </a:p>
@@ -1138,7 +1138,7 @@
           <a:p>
             <a:fld id="{DE66DB88-9E26-428B-8F51-E7FD7D49F56D}" type="datetimeFigureOut">
               <a:rPr lang="zh-CN" altLang="en-US" smtClean="0"/>
-              <a:t>2022/04/15</a:t>
+              <a:t>2022/07/30</a:t>
             </a:fld>
             <a:endParaRPr lang="zh-CN" altLang="en-US"/>
           </a:p>
@@ -1403,7 +1403,7 @@
           <a:p>
             <a:fld id="{DE66DB88-9E26-428B-8F51-E7FD7D49F56D}" type="datetimeFigureOut">
               <a:rPr lang="zh-CN" altLang="en-US" smtClean="0"/>
-              <a:t>2022/04/15</a:t>
+              <a:t>2022/07/30</a:t>
             </a:fld>
             <a:endParaRPr lang="zh-CN" altLang="en-US"/>
           </a:p>
@@ -1815,7 +1815,7 @@
           <a:p>
             <a:fld id="{DE66DB88-9E26-428B-8F51-E7FD7D49F56D}" type="datetimeFigureOut">
               <a:rPr lang="zh-CN" altLang="en-US" smtClean="0"/>
-              <a:t>2022/04/15</a:t>
+              <a:t>2022/07/30</a:t>
             </a:fld>
             <a:endParaRPr lang="zh-CN" altLang="en-US"/>
           </a:p>
@@ -1956,7 +1956,7 @@
           <a:p>
             <a:fld id="{DE66DB88-9E26-428B-8F51-E7FD7D49F56D}" type="datetimeFigureOut">
               <a:rPr lang="zh-CN" altLang="en-US" smtClean="0"/>
-              <a:t>2022/04/15</a:t>
+              <a:t>2022/07/30</a:t>
             </a:fld>
             <a:endParaRPr lang="zh-CN" altLang="en-US"/>
           </a:p>
@@ -2069,7 +2069,7 @@
           <a:p>
             <a:fld id="{DE66DB88-9E26-428B-8F51-E7FD7D49F56D}" type="datetimeFigureOut">
               <a:rPr lang="zh-CN" altLang="en-US" smtClean="0"/>
-              <a:t>2022/04/15</a:t>
+              <a:t>2022/07/30</a:t>
             </a:fld>
             <a:endParaRPr lang="zh-CN" altLang="en-US"/>
           </a:p>
@@ -2380,7 +2380,7 @@
           <a:p>
             <a:fld id="{DE66DB88-9E26-428B-8F51-E7FD7D49F56D}" type="datetimeFigureOut">
               <a:rPr lang="zh-CN" altLang="en-US" smtClean="0"/>
-              <a:t>2022/04/15</a:t>
+              <a:t>2022/07/30</a:t>
             </a:fld>
             <a:endParaRPr lang="zh-CN" altLang="en-US"/>
           </a:p>
@@ -2668,7 +2668,7 @@
           <a:p>
             <a:fld id="{DE66DB88-9E26-428B-8F51-E7FD7D49F56D}" type="datetimeFigureOut">
               <a:rPr lang="zh-CN" altLang="en-US" smtClean="0"/>
-              <a:t>2022/04/15</a:t>
+              <a:t>2022/07/30</a:t>
             </a:fld>
             <a:endParaRPr lang="zh-CN" altLang="en-US"/>
           </a:p>
@@ -2909,7 +2909,7 @@
           <a:p>
             <a:fld id="{DE66DB88-9E26-428B-8F51-E7FD7D49F56D}" type="datetimeFigureOut">
               <a:rPr lang="zh-CN" altLang="en-US" smtClean="0"/>
-              <a:t>2022/04/15</a:t>
+              <a:t>2022/07/30</a:t>
             </a:fld>
             <a:endParaRPr lang="zh-CN" altLang="en-US"/>
           </a:p>
@@ -5128,7 +5128,9 @@
           <a:prstGeom prst="rect">
             <a:avLst/>
           </a:prstGeom>
-          <a:noFill/>
+          <a:solidFill>
+            <a:srgbClr val="FFC000"/>
+          </a:solidFill>
         </p:spPr>
         <p:style>
           <a:lnRef idx="2">
@@ -5340,6 +5342,16 @@
           <a:p>
             <a:pPr algn="ctr"/>
             <a:r>
+              <a:rPr lang="en-US" altLang="zh-CN" sz="900" dirty="0">
+                <a:solidFill>
+                  <a:schemeClr val="tx1"/>
+                </a:solidFill>
+                <a:latin typeface="宋体" panose="02010600030101010101" pitchFamily="2" charset="-122"/>
+                <a:ea typeface="宋体" panose="02010600030101010101" pitchFamily="2" charset="-122"/>
+              </a:rPr>
+              <a:t>SFF</a:t>
+            </a:r>
+            <a:r>
               <a:rPr lang="zh-CN" altLang="en-US" sz="900" dirty="0">
                 <a:solidFill>
                   <a:schemeClr val="tx1"/>
@@ -5347,7 +5359,7 @@
                 <a:latin typeface="宋体" panose="02010600030101010101" pitchFamily="2" charset="-122"/>
                 <a:ea typeface="宋体" panose="02010600030101010101" pitchFamily="2" charset="-122"/>
               </a:rPr>
-              <a:t>包分类控制器</a:t>
+              <a:t>控制器</a:t>
             </a:r>
           </a:p>
         </p:txBody>
@@ -6935,7 +6947,7 @@
         <p:spPr>
           <a:xfrm>
             <a:off x="4738050" y="3145133"/>
-            <a:ext cx="1138453" cy="584775"/>
+            <a:ext cx="1418978" cy="584775"/>
           </a:xfrm>
           <a:prstGeom prst="rect">
             <a:avLst/>
@@ -6953,7 +6965,13 @@
                 <a:effectLst/>
                 <a:latin typeface="Consolas" panose="020B0609020204030204" pitchFamily="49" charset="0"/>
               </a:rPr>
-              <a:t>CMD_TYPE_ADD_SFC</a:t>
+              <a:t>CMD_</a:t>
+            </a:r>
+            <a:r>
+              <a:rPr lang="en-US" altLang="zh-CN" sz="800" b="1" dirty="0">
+                <a:latin typeface="Consolas" panose="020B0609020204030204" pitchFamily="49" charset="0"/>
+              </a:rPr>
+              <a:t>TYCMD_TYPE_ADD_SFC</a:t>
             </a:r>
           </a:p>
           <a:p>
@@ -6962,7 +6980,7 @@
                 <a:effectLst/>
                 <a:latin typeface="Consolas" panose="020B0609020204030204" pitchFamily="49" charset="0"/>
               </a:rPr>
-              <a:t>CMD_TYPE_ADD_SFCI</a:t>
+              <a:t>PE_ADD_SFCI</a:t>
             </a:r>
           </a:p>
           <a:p>
@@ -7452,49 +7470,6 @@
           </a:p>
         </p:txBody>
       </p:sp>
-      <p:cxnSp>
-        <p:nvCxnSpPr>
-          <p:cNvPr id="238" name="直接箭头连接符 237">
-            <a:extLst>
-              <a:ext uri="{FF2B5EF4-FFF2-40B4-BE49-F238E27FC236}">
-                <a16:creationId xmlns:a16="http://schemas.microsoft.com/office/drawing/2014/main" id="{DF64ACF4-DC76-462F-8D61-387CA33F60FD}"/>
-              </a:ext>
-            </a:extLst>
-          </p:cNvPr>
-          <p:cNvCxnSpPr>
-            <a:cxnSpLocks/>
-            <a:stCxn id="235" idx="0"/>
-            <a:endCxn id="113" idx="2"/>
-          </p:cNvCxnSpPr>
-          <p:nvPr/>
-        </p:nvCxnSpPr>
-        <p:spPr>
-          <a:xfrm flipV="1">
-            <a:off x="7577599" y="1759822"/>
-            <a:ext cx="6235" cy="1036204"/>
-          </a:xfrm>
-          <a:prstGeom prst="straightConnector1">
-            <a:avLst/>
-          </a:prstGeom>
-          <a:ln w="19050">
-            <a:tailEnd type="triangle"/>
-          </a:ln>
-        </p:spPr>
-        <p:style>
-          <a:lnRef idx="1">
-            <a:schemeClr val="accent1"/>
-          </a:lnRef>
-          <a:fillRef idx="0">
-            <a:schemeClr val="accent1"/>
-          </a:fillRef>
-          <a:effectRef idx="0">
-            <a:schemeClr val="accent1"/>
-          </a:effectRef>
-          <a:fontRef idx="minor">
-            <a:schemeClr val="tx1"/>
-          </a:fontRef>
-        </p:style>
-      </p:cxnSp>
       <p:sp>
         <p:nvSpPr>
           <p:cNvPr id="239" name="文本框 238">
@@ -7535,70 +7510,28 @@
       </p:sp>
       <p:cxnSp>
         <p:nvCxnSpPr>
-          <p:cNvPr id="240" name="直接箭头连接符 239">
-            <a:extLst>
-              <a:ext uri="{FF2B5EF4-FFF2-40B4-BE49-F238E27FC236}">
-                <a16:creationId xmlns:a16="http://schemas.microsoft.com/office/drawing/2014/main" id="{7CA12B6B-FAD3-4BDB-9A89-2CDAE55EDB2C}"/>
+          <p:cNvPr id="241" name="连接符: 肘形 240">
+            <a:extLst>
+              <a:ext uri="{FF2B5EF4-FFF2-40B4-BE49-F238E27FC236}">
+                <a16:creationId xmlns:a16="http://schemas.microsoft.com/office/drawing/2014/main" id="{0A73A5D8-F76F-48E2-9901-49EFF3C8E46D}"/>
               </a:ext>
             </a:extLst>
           </p:cNvPr>
           <p:cNvCxnSpPr>
             <a:cxnSpLocks/>
-            <a:stCxn id="167" idx="0"/>
-            <a:endCxn id="235" idx="2"/>
-          </p:cNvCxnSpPr>
-          <p:nvPr/>
-        </p:nvCxnSpPr>
-        <p:spPr>
-          <a:xfrm flipH="1" flipV="1">
-            <a:off x="7577599" y="3140967"/>
-            <a:ext cx="568721" cy="805548"/>
-          </a:xfrm>
-          <a:prstGeom prst="straightConnector1">
-            <a:avLst/>
-          </a:prstGeom>
-          <a:ln w="19050">
-            <a:tailEnd type="triangle"/>
-          </a:ln>
-        </p:spPr>
-        <p:style>
-          <a:lnRef idx="1">
-            <a:schemeClr val="accent1"/>
-          </a:lnRef>
-          <a:fillRef idx="0">
-            <a:schemeClr val="accent1"/>
-          </a:fillRef>
-          <a:effectRef idx="0">
-            <a:schemeClr val="accent1"/>
-          </a:effectRef>
-          <a:fontRef idx="minor">
-            <a:schemeClr val="tx1"/>
-          </a:fontRef>
-        </p:style>
-      </p:cxnSp>
-      <p:cxnSp>
-        <p:nvCxnSpPr>
-          <p:cNvPr id="241" name="连接符: 肘形 240">
-            <a:extLst>
-              <a:ext uri="{FF2B5EF4-FFF2-40B4-BE49-F238E27FC236}">
-                <a16:creationId xmlns:a16="http://schemas.microsoft.com/office/drawing/2014/main" id="{0A73A5D8-F76F-48E2-9901-49EFF3C8E46D}"/>
-              </a:ext>
-            </a:extLst>
-          </p:cNvPr>
-          <p:cNvCxnSpPr>
-            <a:stCxn id="235" idx="0"/>
+            <a:stCxn id="206" idx="0"/>
             <a:endCxn id="125" idx="2"/>
           </p:cNvCxnSpPr>
           <p:nvPr/>
         </p:nvCxnSpPr>
         <p:spPr>
           <a:xfrm rot="16200000" flipV="1">
-            <a:off x="4906006" y="124432"/>
-            <a:ext cx="1046758" cy="4296429"/>
+            <a:off x="6123207" y="-1092768"/>
+            <a:ext cx="1032809" cy="6716882"/>
           </a:xfrm>
           <a:prstGeom prst="bentConnector3">
             <a:avLst>
-              <a:gd name="adj1" fmla="val 7535"/>
+              <a:gd name="adj1" fmla="val 6907"/>
             </a:avLst>
           </a:prstGeom>
           <a:ln w="12700">
@@ -8083,43 +8016,6 @@
       </p:cxnSp>
       <p:sp>
         <p:nvSpPr>
-          <p:cNvPr id="131" name="文本框 130">
-            <a:extLst>
-              <a:ext uri="{FF2B5EF4-FFF2-40B4-BE49-F238E27FC236}">
-                <a16:creationId xmlns:a16="http://schemas.microsoft.com/office/drawing/2014/main" id="{3C3CA396-A72B-4F10-B8B7-DC4949A51862}"/>
-              </a:ext>
-            </a:extLst>
-          </p:cNvPr>
-          <p:cNvSpPr txBox="1"/>
-          <p:nvPr/>
-        </p:nvSpPr>
-        <p:spPr>
-          <a:xfrm>
-            <a:off x="7768638" y="4350988"/>
-            <a:ext cx="1144659" cy="216791"/>
-          </a:xfrm>
-          <a:prstGeom prst="rect">
-            <a:avLst/>
-          </a:prstGeom>
-          <a:noFill/>
-        </p:spPr>
-        <p:txBody>
-          <a:bodyPr wrap="square">
-            <a:spAutoFit/>
-          </a:bodyPr>
-          <a:lstStyle/>
-          <a:p>
-            <a:r>
-              <a:rPr lang="en-US" altLang="zh-CN" sz="800" b="1" dirty="0">
-                <a:latin typeface="Consolas" panose="020B0609020204030204" pitchFamily="49" charset="0"/>
-              </a:rPr>
-              <a:t>CMD_TYPE_ADD_SFCI</a:t>
-            </a:r>
-          </a:p>
-        </p:txBody>
-      </p:sp>
-      <p:sp>
-        <p:nvSpPr>
           <p:cNvPr id="128" name="文本框 127">
             <a:extLst>
               <a:ext uri="{FF2B5EF4-FFF2-40B4-BE49-F238E27FC236}">
@@ -8170,7 +8066,7 @@
         </p:nvSpPr>
         <p:spPr>
           <a:xfrm>
-            <a:off x="9007774" y="5386849"/>
+            <a:off x="9026568" y="5460079"/>
             <a:ext cx="441980" cy="212517"/>
           </a:xfrm>
           <a:prstGeom prst="rect">
@@ -8221,51 +8117,6 @@
       </p:sp>
       <p:sp>
         <p:nvSpPr>
-          <p:cNvPr id="197" name="文本框 196">
-            <a:extLst>
-              <a:ext uri="{FF2B5EF4-FFF2-40B4-BE49-F238E27FC236}">
-                <a16:creationId xmlns:a16="http://schemas.microsoft.com/office/drawing/2014/main" id="{7CA10BCB-2CEB-4E17-96BE-CB44906A9B47}"/>
-              </a:ext>
-            </a:extLst>
-          </p:cNvPr>
-          <p:cNvSpPr txBox="1"/>
-          <p:nvPr/>
-        </p:nvSpPr>
-        <p:spPr>
-          <a:xfrm>
-            <a:off x="7726522" y="3593030"/>
-            <a:ext cx="959601" cy="338554"/>
-          </a:xfrm>
-          <a:prstGeom prst="rect">
-            <a:avLst/>
-          </a:prstGeom>
-          <a:noFill/>
-        </p:spPr>
-        <p:txBody>
-          <a:bodyPr wrap="square">
-            <a:spAutoFit/>
-          </a:bodyPr>
-          <a:lstStyle/>
-          <a:p>
-            <a:r>
-              <a:rPr lang="en-US" altLang="zh-CN" sz="800" b="1" dirty="0">
-                <a:latin typeface="Consolas" panose="020B0609020204030204" pitchFamily="49" charset="0"/>
-              </a:rPr>
-              <a:t>CMD_TYPE_GET</a:t>
-            </a:r>
-          </a:p>
-          <a:p>
-            <a:r>
-              <a:rPr lang="en-US" altLang="zh-CN" sz="800" b="1" dirty="0">
-                <a:latin typeface="Consolas" panose="020B0609020204030204" pitchFamily="49" charset="0"/>
-              </a:rPr>
-              <a:t>_TOPOLOGY</a:t>
-            </a:r>
-          </a:p>
-        </p:txBody>
-      </p:sp>
-      <p:sp>
-        <p:nvSpPr>
           <p:cNvPr id="211" name="文本框 210">
             <a:extLst>
               <a:ext uri="{FF2B5EF4-FFF2-40B4-BE49-F238E27FC236}">
@@ -8392,7 +8243,7 @@
               <a:rPr lang="en-US" altLang="zh-CN" sz="800" b="1" dirty="0">
                 <a:latin typeface="Consolas" panose="020B0609020204030204" pitchFamily="49" charset="0"/>
               </a:rPr>
-              <a:t>_VNFI_STATE</a:t>
+              <a:t>_SFCI_STATE</a:t>
             </a:r>
           </a:p>
         </p:txBody>
@@ -8439,6 +8290,716 @@
               </a:rPr>
               <a:t>_SERVER_SET</a:t>
             </a:r>
+          </a:p>
+        </p:txBody>
+      </p:sp>
+      <p:cxnSp>
+        <p:nvCxnSpPr>
+          <p:cNvPr id="112" name="连接符: 肘形 111">
+            <a:extLst>
+              <a:ext uri="{FF2B5EF4-FFF2-40B4-BE49-F238E27FC236}">
+                <a16:creationId xmlns:a16="http://schemas.microsoft.com/office/drawing/2014/main" id="{A0B1A4F3-8C58-4F6B-AA03-F49E3FAB20DF}"/>
+              </a:ext>
+            </a:extLst>
+          </p:cNvPr>
+          <p:cNvCxnSpPr>
+            <a:cxnSpLocks/>
+            <a:stCxn id="206" idx="0"/>
+            <a:endCxn id="113" idx="2"/>
+          </p:cNvCxnSpPr>
+          <p:nvPr/>
+        </p:nvCxnSpPr>
+        <p:spPr>
+          <a:xfrm rot="16200000" flipV="1">
+            <a:off x="8279816" y="1063841"/>
+            <a:ext cx="1022255" cy="2414218"/>
+          </a:xfrm>
+          <a:prstGeom prst="bentConnector3">
+            <a:avLst>
+              <a:gd name="adj1" fmla="val 7021"/>
+            </a:avLst>
+          </a:prstGeom>
+          <a:ln w="12700">
+            <a:tailEnd type="triangle"/>
+          </a:ln>
+        </p:spPr>
+        <p:style>
+          <a:lnRef idx="1">
+            <a:schemeClr val="accent1"/>
+          </a:lnRef>
+          <a:fillRef idx="0">
+            <a:schemeClr val="accent1"/>
+          </a:fillRef>
+          <a:effectRef idx="0">
+            <a:schemeClr val="accent1"/>
+          </a:effectRef>
+          <a:fontRef idx="minor">
+            <a:schemeClr val="tx1"/>
+          </a:fontRef>
+        </p:style>
+      </p:cxnSp>
+      <p:sp>
+        <p:nvSpPr>
+          <p:cNvPr id="117" name="矩形 116">
+            <a:extLst>
+              <a:ext uri="{FF2B5EF4-FFF2-40B4-BE49-F238E27FC236}">
+                <a16:creationId xmlns:a16="http://schemas.microsoft.com/office/drawing/2014/main" id="{45FD3C79-8DF9-40CE-8D5A-F8377CF2631B}"/>
+              </a:ext>
+            </a:extLst>
+          </p:cNvPr>
+          <p:cNvSpPr/>
+          <p:nvPr/>
+        </p:nvSpPr>
+        <p:spPr>
+          <a:xfrm>
+            <a:off x="7237103" y="5457876"/>
+            <a:ext cx="441980" cy="212517"/>
+          </a:xfrm>
+          <a:prstGeom prst="rect">
+            <a:avLst/>
+          </a:prstGeom>
+          <a:noFill/>
+        </p:spPr>
+        <p:style>
+          <a:lnRef idx="2">
+            <a:schemeClr val="accent3">
+              <a:shade val="50000"/>
+            </a:schemeClr>
+          </a:lnRef>
+          <a:fillRef idx="1">
+            <a:schemeClr val="accent3"/>
+          </a:fillRef>
+          <a:effectRef idx="0">
+            <a:schemeClr val="accent3"/>
+          </a:effectRef>
+          <a:fontRef idx="minor">
+            <a:schemeClr val="lt1"/>
+          </a:fontRef>
+        </p:style>
+        <p:txBody>
+          <a:bodyPr rtlCol="0" anchor="ctr"/>
+          <a:lstStyle/>
+          <a:p>
+            <a:pPr algn="ctr"/>
+            <a:r>
+              <a:rPr lang="en-US" altLang="zh-CN" sz="900" dirty="0">
+                <a:solidFill>
+                  <a:schemeClr val="tx1"/>
+                </a:solidFill>
+                <a:latin typeface="宋体" panose="02010600030101010101" pitchFamily="2" charset="-122"/>
+                <a:ea typeface="宋体" panose="02010600030101010101" pitchFamily="2" charset="-122"/>
+              </a:rPr>
+              <a:t>VNF</a:t>
+            </a:r>
+            <a:endParaRPr lang="zh-CN" altLang="en-US" sz="900" dirty="0">
+              <a:solidFill>
+                <a:schemeClr val="tx1"/>
+              </a:solidFill>
+              <a:latin typeface="宋体" panose="02010600030101010101" pitchFamily="2" charset="-122"/>
+              <a:ea typeface="宋体" panose="02010600030101010101" pitchFamily="2" charset="-122"/>
+            </a:endParaRPr>
+          </a:p>
+        </p:txBody>
+      </p:sp>
+      <p:cxnSp>
+        <p:nvCxnSpPr>
+          <p:cNvPr id="118" name="直接箭头连接符 117">
+            <a:extLst>
+              <a:ext uri="{FF2B5EF4-FFF2-40B4-BE49-F238E27FC236}">
+                <a16:creationId xmlns:a16="http://schemas.microsoft.com/office/drawing/2014/main" id="{AB79DCE5-5FA0-4ECB-B843-A94DA9756413}"/>
+              </a:ext>
+            </a:extLst>
+          </p:cNvPr>
+          <p:cNvCxnSpPr>
+            <a:cxnSpLocks/>
+            <a:stCxn id="170" idx="2"/>
+            <a:endCxn id="198" idx="0"/>
+          </p:cNvCxnSpPr>
+          <p:nvPr/>
+        </p:nvCxnSpPr>
+        <p:spPr>
+          <a:xfrm flipH="1">
+            <a:off x="7418193" y="4145172"/>
+            <a:ext cx="1608375" cy="730044"/>
+          </a:xfrm>
+          <a:prstGeom prst="straightConnector1">
+            <a:avLst/>
+          </a:prstGeom>
+          <a:ln w="12700">
+            <a:solidFill>
+              <a:schemeClr val="tx1">
+                <a:lumMod val="65000"/>
+                <a:lumOff val="35000"/>
+              </a:schemeClr>
+            </a:solidFill>
+            <a:tailEnd type="triangle"/>
+          </a:ln>
+        </p:spPr>
+        <p:style>
+          <a:lnRef idx="1">
+            <a:schemeClr val="accent1"/>
+          </a:lnRef>
+          <a:fillRef idx="0">
+            <a:schemeClr val="accent1"/>
+          </a:fillRef>
+          <a:effectRef idx="0">
+            <a:schemeClr val="accent1"/>
+          </a:effectRef>
+          <a:fontRef idx="minor">
+            <a:schemeClr val="tx1"/>
+          </a:fontRef>
+        </p:style>
+      </p:cxnSp>
+      <p:cxnSp>
+        <p:nvCxnSpPr>
+          <p:cNvPr id="121" name="直接箭头连接符 120">
+            <a:extLst>
+              <a:ext uri="{FF2B5EF4-FFF2-40B4-BE49-F238E27FC236}">
+                <a16:creationId xmlns:a16="http://schemas.microsoft.com/office/drawing/2014/main" id="{20E42858-F404-47C2-A3DA-B77D5908CD44}"/>
+              </a:ext>
+            </a:extLst>
+          </p:cNvPr>
+          <p:cNvCxnSpPr>
+            <a:cxnSpLocks/>
+            <a:stCxn id="167" idx="0"/>
+            <a:endCxn id="235" idx="2"/>
+          </p:cNvCxnSpPr>
+          <p:nvPr/>
+        </p:nvCxnSpPr>
+        <p:spPr>
+          <a:xfrm flipH="1" flipV="1">
+            <a:off x="7577599" y="3140967"/>
+            <a:ext cx="568721" cy="805548"/>
+          </a:xfrm>
+          <a:prstGeom prst="straightConnector1">
+            <a:avLst/>
+          </a:prstGeom>
+          <a:ln w="19050">
+            <a:tailEnd type="triangle"/>
+          </a:ln>
+        </p:spPr>
+        <p:style>
+          <a:lnRef idx="1">
+            <a:schemeClr val="accent1"/>
+          </a:lnRef>
+          <a:fillRef idx="0">
+            <a:schemeClr val="accent1"/>
+          </a:fillRef>
+          <a:effectRef idx="0">
+            <a:schemeClr val="accent1"/>
+          </a:effectRef>
+          <a:fontRef idx="minor">
+            <a:schemeClr val="tx1"/>
+          </a:fontRef>
+        </p:style>
+      </p:cxnSp>
+      <p:sp>
+        <p:nvSpPr>
+          <p:cNvPr id="137" name="文本框 136">
+            <a:extLst>
+              <a:ext uri="{FF2B5EF4-FFF2-40B4-BE49-F238E27FC236}">
+                <a16:creationId xmlns:a16="http://schemas.microsoft.com/office/drawing/2014/main" id="{C389A143-C5EF-47E8-A136-AA483A75892B}"/>
+              </a:ext>
+            </a:extLst>
+          </p:cNvPr>
+          <p:cNvSpPr txBox="1"/>
+          <p:nvPr/>
+        </p:nvSpPr>
+        <p:spPr>
+          <a:xfrm>
+            <a:off x="7695044" y="3593060"/>
+            <a:ext cx="862905" cy="338554"/>
+          </a:xfrm>
+          <a:prstGeom prst="rect">
+            <a:avLst/>
+          </a:prstGeom>
+          <a:noFill/>
+        </p:spPr>
+        <p:txBody>
+          <a:bodyPr wrap="square">
+            <a:spAutoFit/>
+          </a:bodyPr>
+          <a:lstStyle/>
+          <a:p>
+            <a:r>
+              <a:rPr lang="en-US" altLang="zh-CN" sz="800" b="1" dirty="0">
+                <a:latin typeface="Consolas" panose="020B0609020204030204" pitchFamily="49" charset="0"/>
+              </a:rPr>
+              <a:t>CMD_TYPE_GET</a:t>
+            </a:r>
+          </a:p>
+          <a:p>
+            <a:r>
+              <a:rPr lang="en-US" altLang="zh-CN" sz="800" b="1" dirty="0">
+                <a:latin typeface="Consolas" panose="020B0609020204030204" pitchFamily="49" charset="0"/>
+              </a:rPr>
+              <a:t>_SFCI_STATE</a:t>
+            </a:r>
+          </a:p>
+        </p:txBody>
+      </p:sp>
+      <p:sp>
+        <p:nvSpPr>
+          <p:cNvPr id="12" name="文本框 11">
+            <a:extLst>
+              <a:ext uri="{FF2B5EF4-FFF2-40B4-BE49-F238E27FC236}">
+                <a16:creationId xmlns:a16="http://schemas.microsoft.com/office/drawing/2014/main" id="{5D40622C-AAC3-44D6-BCC6-83AD6DEC2C31}"/>
+              </a:ext>
+            </a:extLst>
+          </p:cNvPr>
+          <p:cNvSpPr txBox="1"/>
+          <p:nvPr/>
+        </p:nvSpPr>
+        <p:spPr>
+          <a:xfrm>
+            <a:off x="12114142" y="5509374"/>
+            <a:ext cx="2464136" cy="369332"/>
+          </a:xfrm>
+          <a:prstGeom prst="rect">
+            <a:avLst/>
+          </a:prstGeom>
+          <a:noFill/>
+        </p:spPr>
+        <p:txBody>
+          <a:bodyPr wrap="none" rtlCol="0">
+            <a:spAutoFit/>
+          </a:bodyPr>
+          <a:lstStyle/>
+          <a:p>
+            <a:r>
+              <a:rPr lang="en-US" altLang="zh-CN" b="0" dirty="0">
+                <a:solidFill>
+                  <a:srgbClr val="4FC1FF"/>
+                </a:solidFill>
+                <a:effectLst/>
+                <a:latin typeface="Consolas" panose="020B0609020204030204" pitchFamily="49" charset="0"/>
+              </a:rPr>
+              <a:t>P4CONTROLLER_QUEUE</a:t>
+            </a:r>
+            <a:endParaRPr lang="en-US" altLang="zh-CN" b="0" dirty="0">
+              <a:solidFill>
+                <a:srgbClr val="D4D4D4"/>
+              </a:solidFill>
+              <a:effectLst/>
+              <a:latin typeface="Consolas" panose="020B0609020204030204" pitchFamily="49" charset="0"/>
+            </a:endParaRPr>
+          </a:p>
+        </p:txBody>
+      </p:sp>
+      <p:sp>
+        <p:nvSpPr>
+          <p:cNvPr id="138" name="文本框 137">
+            <a:extLst>
+              <a:ext uri="{FF2B5EF4-FFF2-40B4-BE49-F238E27FC236}">
+                <a16:creationId xmlns:a16="http://schemas.microsoft.com/office/drawing/2014/main" id="{DC5AE5AB-7300-4E2B-8CFF-FE38AA4C703A}"/>
+              </a:ext>
+            </a:extLst>
+          </p:cNvPr>
+          <p:cNvSpPr txBox="1"/>
+          <p:nvPr/>
+        </p:nvSpPr>
+        <p:spPr>
+          <a:xfrm>
+            <a:off x="12111291" y="4894322"/>
+            <a:ext cx="4288047" cy="646331"/>
+          </a:xfrm>
+          <a:prstGeom prst="rect">
+            <a:avLst/>
+          </a:prstGeom>
+          <a:noFill/>
+        </p:spPr>
+        <p:txBody>
+          <a:bodyPr wrap="square">
+            <a:spAutoFit/>
+          </a:bodyPr>
+          <a:lstStyle/>
+          <a:p>
+            <a:r>
+              <a:rPr lang="en-US" altLang="zh-CN" b="0" dirty="0">
+                <a:solidFill>
+                  <a:srgbClr val="4FC1FF"/>
+                </a:solidFill>
+                <a:effectLst/>
+                <a:latin typeface="Consolas" panose="020B0609020204030204" pitchFamily="49" charset="0"/>
+              </a:rPr>
+              <a:t>P4_CONTROLLER_IP</a:t>
+            </a:r>
+            <a:r>
+              <a:rPr lang="en-US" altLang="zh-CN" b="0" dirty="0">
+                <a:solidFill>
+                  <a:srgbClr val="D4D4D4"/>
+                </a:solidFill>
+                <a:effectLst/>
+                <a:latin typeface="Consolas" panose="020B0609020204030204" pitchFamily="49" charset="0"/>
+              </a:rPr>
+              <a:t> = </a:t>
+            </a:r>
+            <a:r>
+              <a:rPr lang="en-US" altLang="zh-CN" b="0" dirty="0">
+                <a:solidFill>
+                  <a:srgbClr val="CE9178"/>
+                </a:solidFill>
+                <a:effectLst/>
+                <a:latin typeface="Consolas" panose="020B0609020204030204" pitchFamily="49" charset="0"/>
+              </a:rPr>
+              <a:t>"127.0.0.1"</a:t>
+            </a:r>
+            <a:endParaRPr lang="en-US" altLang="zh-CN" b="0" dirty="0">
+              <a:solidFill>
+                <a:srgbClr val="D4D4D4"/>
+              </a:solidFill>
+              <a:effectLst/>
+              <a:latin typeface="Consolas" panose="020B0609020204030204" pitchFamily="49" charset="0"/>
+            </a:endParaRPr>
+          </a:p>
+          <a:p>
+            <a:r>
+              <a:rPr lang="en-US" altLang="zh-CN" b="0" dirty="0">
+                <a:solidFill>
+                  <a:srgbClr val="4FC1FF"/>
+                </a:solidFill>
+                <a:effectLst/>
+                <a:latin typeface="Consolas" panose="020B0609020204030204" pitchFamily="49" charset="0"/>
+              </a:rPr>
+              <a:t>P4_CONTROLLER_PORT</a:t>
+            </a:r>
+            <a:r>
+              <a:rPr lang="en-US" altLang="zh-CN" b="0" dirty="0">
+                <a:solidFill>
+                  <a:srgbClr val="D4D4D4"/>
+                </a:solidFill>
+                <a:effectLst/>
+                <a:latin typeface="Consolas" panose="020B0609020204030204" pitchFamily="49" charset="0"/>
+              </a:rPr>
+              <a:t> = </a:t>
+            </a:r>
+            <a:r>
+              <a:rPr lang="en-US" altLang="zh-CN" b="0" dirty="0">
+                <a:solidFill>
+                  <a:srgbClr val="B5CEA8"/>
+                </a:solidFill>
+                <a:effectLst/>
+                <a:latin typeface="Consolas" panose="020B0609020204030204" pitchFamily="49" charset="0"/>
+              </a:rPr>
+              <a:t>50007</a:t>
+            </a:r>
+            <a:endParaRPr lang="en-US" altLang="zh-CN" b="0" dirty="0">
+              <a:solidFill>
+                <a:srgbClr val="D4D4D4"/>
+              </a:solidFill>
+              <a:effectLst/>
+              <a:latin typeface="Consolas" panose="020B0609020204030204" pitchFamily="49" charset="0"/>
+            </a:endParaRPr>
+          </a:p>
+        </p:txBody>
+      </p:sp>
+      <p:sp>
+        <p:nvSpPr>
+          <p:cNvPr id="140" name="文本框 139">
+            <a:extLst>
+              <a:ext uri="{FF2B5EF4-FFF2-40B4-BE49-F238E27FC236}">
+                <a16:creationId xmlns:a16="http://schemas.microsoft.com/office/drawing/2014/main" id="{1CB617DF-ED4A-43C4-87EB-8BCCE2494383}"/>
+              </a:ext>
+            </a:extLst>
+          </p:cNvPr>
+          <p:cNvSpPr txBox="1"/>
+          <p:nvPr/>
+        </p:nvSpPr>
+        <p:spPr>
+          <a:xfrm>
+            <a:off x="12111291" y="4166569"/>
+            <a:ext cx="3468418" cy="646331"/>
+          </a:xfrm>
+          <a:prstGeom prst="rect">
+            <a:avLst/>
+          </a:prstGeom>
+          <a:noFill/>
+        </p:spPr>
+        <p:txBody>
+          <a:bodyPr wrap="square">
+            <a:spAutoFit/>
+          </a:bodyPr>
+          <a:lstStyle/>
+          <a:p>
+            <a:r>
+              <a:rPr lang="en-US" altLang="zh-CN" b="0" dirty="0">
+                <a:solidFill>
+                  <a:srgbClr val="4FC1FF"/>
+                </a:solidFill>
+                <a:effectLst/>
+                <a:latin typeface="Consolas" panose="020B0609020204030204" pitchFamily="49" charset="0"/>
+              </a:rPr>
+              <a:t>MEASURER_IP</a:t>
+            </a:r>
+            <a:r>
+              <a:rPr lang="en-US" altLang="zh-CN" b="0" dirty="0">
+                <a:solidFill>
+                  <a:srgbClr val="D4D4D4"/>
+                </a:solidFill>
+                <a:effectLst/>
+                <a:latin typeface="Consolas" panose="020B0609020204030204" pitchFamily="49" charset="0"/>
+              </a:rPr>
+              <a:t> = </a:t>
+            </a:r>
+            <a:r>
+              <a:rPr lang="en-US" altLang="zh-CN" b="0" dirty="0">
+                <a:solidFill>
+                  <a:srgbClr val="CE9178"/>
+                </a:solidFill>
+                <a:effectLst/>
+                <a:latin typeface="Consolas" panose="020B0609020204030204" pitchFamily="49" charset="0"/>
+              </a:rPr>
+              <a:t>"127.0.0.1"</a:t>
+            </a:r>
+            <a:endParaRPr lang="en-US" altLang="zh-CN" b="0" dirty="0">
+              <a:solidFill>
+                <a:srgbClr val="D4D4D4"/>
+              </a:solidFill>
+              <a:effectLst/>
+              <a:latin typeface="Consolas" panose="020B0609020204030204" pitchFamily="49" charset="0"/>
+            </a:endParaRPr>
+          </a:p>
+          <a:p>
+            <a:r>
+              <a:rPr lang="en-US" altLang="zh-CN" b="0" dirty="0">
+                <a:solidFill>
+                  <a:srgbClr val="4FC1FF"/>
+                </a:solidFill>
+                <a:effectLst/>
+                <a:latin typeface="Consolas" panose="020B0609020204030204" pitchFamily="49" charset="0"/>
+              </a:rPr>
+              <a:t>MEASURER_PORT</a:t>
+            </a:r>
+            <a:r>
+              <a:rPr lang="en-US" altLang="zh-CN" b="0" dirty="0">
+                <a:solidFill>
+                  <a:srgbClr val="D4D4D4"/>
+                </a:solidFill>
+                <a:effectLst/>
+                <a:latin typeface="Consolas" panose="020B0609020204030204" pitchFamily="49" charset="0"/>
+              </a:rPr>
+              <a:t> = </a:t>
+            </a:r>
+            <a:r>
+              <a:rPr lang="en-US" altLang="zh-CN" b="0" dirty="0">
+                <a:solidFill>
+                  <a:srgbClr val="B5CEA8"/>
+                </a:solidFill>
+                <a:effectLst/>
+                <a:latin typeface="Consolas" panose="020B0609020204030204" pitchFamily="49" charset="0"/>
+              </a:rPr>
+              <a:t>50001</a:t>
+            </a:r>
+            <a:endParaRPr lang="en-US" altLang="zh-CN" b="0" dirty="0">
+              <a:solidFill>
+                <a:srgbClr val="D4D4D4"/>
+              </a:solidFill>
+              <a:effectLst/>
+              <a:latin typeface="Consolas" panose="020B0609020204030204" pitchFamily="49" charset="0"/>
+            </a:endParaRPr>
+          </a:p>
+        </p:txBody>
+      </p:sp>
+      <p:sp>
+        <p:nvSpPr>
+          <p:cNvPr id="15" name="文本框 14">
+            <a:extLst>
+              <a:ext uri="{FF2B5EF4-FFF2-40B4-BE49-F238E27FC236}">
+                <a16:creationId xmlns:a16="http://schemas.microsoft.com/office/drawing/2014/main" id="{BF248CD2-430D-4DD3-AD63-266C4478B923}"/>
+              </a:ext>
+            </a:extLst>
+          </p:cNvPr>
+          <p:cNvSpPr txBox="1"/>
+          <p:nvPr/>
+        </p:nvSpPr>
+        <p:spPr>
+          <a:xfrm>
+            <a:off x="12192000" y="3729908"/>
+            <a:ext cx="2263761" cy="369332"/>
+          </a:xfrm>
+          <a:prstGeom prst="rect">
+            <a:avLst/>
+          </a:prstGeom>
+          <a:noFill/>
+        </p:spPr>
+        <p:txBody>
+          <a:bodyPr wrap="none" rtlCol="0">
+            <a:spAutoFit/>
+          </a:bodyPr>
+          <a:lstStyle/>
+          <a:p>
+            <a:r>
+              <a:rPr lang="en-US" altLang="zh-CN" dirty="0" err="1"/>
+              <a:t>self.source</a:t>
+            </a:r>
+            <a:r>
+              <a:rPr lang="en-US" altLang="zh-CN" dirty="0"/>
+              <a:t>:  </a:t>
+            </a:r>
+            <a:r>
+              <a:rPr lang="zh-CN" altLang="en-US" dirty="0"/>
+              <a:t>源</a:t>
+            </a:r>
+            <a:r>
+              <a:rPr lang="en-US" altLang="zh-CN" dirty="0"/>
+              <a:t>socket</a:t>
+            </a:r>
+            <a:endParaRPr lang="zh-CN" altLang="en-US" dirty="0"/>
+          </a:p>
+        </p:txBody>
+      </p:sp>
+      <p:sp>
+        <p:nvSpPr>
+          <p:cNvPr id="145" name="文本框 144">
+            <a:extLst>
+              <a:ext uri="{FF2B5EF4-FFF2-40B4-BE49-F238E27FC236}">
+                <a16:creationId xmlns:a16="http://schemas.microsoft.com/office/drawing/2014/main" id="{DC8A56CA-C1D9-47BB-AC88-C1674DD5352A}"/>
+              </a:ext>
+            </a:extLst>
+          </p:cNvPr>
+          <p:cNvSpPr txBox="1"/>
+          <p:nvPr/>
+        </p:nvSpPr>
+        <p:spPr>
+          <a:xfrm>
+            <a:off x="12111291" y="3042866"/>
+            <a:ext cx="3468418" cy="646331"/>
+          </a:xfrm>
+          <a:prstGeom prst="rect">
+            <a:avLst/>
+          </a:prstGeom>
+          <a:noFill/>
+        </p:spPr>
+        <p:txBody>
+          <a:bodyPr wrap="square">
+            <a:spAutoFit/>
+          </a:bodyPr>
+          <a:lstStyle/>
+          <a:p>
+            <a:r>
+              <a:rPr lang="en-US" altLang="zh-CN" b="0" dirty="0">
+                <a:solidFill>
+                  <a:srgbClr val="4FC1FF"/>
+                </a:solidFill>
+                <a:effectLst/>
+                <a:latin typeface="Consolas" panose="020B0609020204030204" pitchFamily="49" charset="0"/>
+              </a:rPr>
+              <a:t>REGULATOR_IP</a:t>
+            </a:r>
+            <a:r>
+              <a:rPr lang="en-US" altLang="zh-CN" b="0" dirty="0">
+                <a:solidFill>
+                  <a:srgbClr val="D4D4D4"/>
+                </a:solidFill>
+                <a:effectLst/>
+                <a:latin typeface="Consolas" panose="020B0609020204030204" pitchFamily="49" charset="0"/>
+              </a:rPr>
+              <a:t> = </a:t>
+            </a:r>
+            <a:r>
+              <a:rPr lang="en-US" altLang="zh-CN" b="0" dirty="0">
+                <a:solidFill>
+                  <a:srgbClr val="CE9178"/>
+                </a:solidFill>
+                <a:effectLst/>
+                <a:latin typeface="Consolas" panose="020B0609020204030204" pitchFamily="49" charset="0"/>
+              </a:rPr>
+              <a:t>"127.0.0.1"</a:t>
+            </a:r>
+            <a:endParaRPr lang="en-US" altLang="zh-CN" b="0" dirty="0">
+              <a:solidFill>
+                <a:srgbClr val="D4D4D4"/>
+              </a:solidFill>
+              <a:effectLst/>
+              <a:latin typeface="Consolas" panose="020B0609020204030204" pitchFamily="49" charset="0"/>
+            </a:endParaRPr>
+          </a:p>
+          <a:p>
+            <a:r>
+              <a:rPr lang="en-US" altLang="zh-CN" b="0" dirty="0">
+                <a:solidFill>
+                  <a:srgbClr val="4FC1FF"/>
+                </a:solidFill>
+                <a:effectLst/>
+                <a:latin typeface="Consolas" panose="020B0609020204030204" pitchFamily="49" charset="0"/>
+              </a:rPr>
+              <a:t>REGULATOR _PORT</a:t>
+            </a:r>
+            <a:r>
+              <a:rPr lang="en-US" altLang="zh-CN" b="0" dirty="0">
+                <a:solidFill>
+                  <a:srgbClr val="D4D4D4"/>
+                </a:solidFill>
+                <a:effectLst/>
+                <a:latin typeface="Consolas" panose="020B0609020204030204" pitchFamily="49" charset="0"/>
+              </a:rPr>
+              <a:t> = </a:t>
+            </a:r>
+            <a:r>
+              <a:rPr lang="en-US" altLang="zh-CN" b="0" dirty="0">
+                <a:solidFill>
+                  <a:srgbClr val="B5CEA8"/>
+                </a:solidFill>
+                <a:effectLst/>
+                <a:latin typeface="Consolas" panose="020B0609020204030204" pitchFamily="49" charset="0"/>
+              </a:rPr>
+              <a:t>50011</a:t>
+            </a:r>
+            <a:endParaRPr lang="en-US" altLang="zh-CN" b="0" dirty="0">
+              <a:solidFill>
+                <a:srgbClr val="D4D4D4"/>
+              </a:solidFill>
+              <a:effectLst/>
+              <a:latin typeface="Consolas" panose="020B0609020204030204" pitchFamily="49" charset="0"/>
+            </a:endParaRPr>
+          </a:p>
+        </p:txBody>
+      </p:sp>
+      <p:sp>
+        <p:nvSpPr>
+          <p:cNvPr id="146" name="文本框 145">
+            <a:extLst>
+              <a:ext uri="{FF2B5EF4-FFF2-40B4-BE49-F238E27FC236}">
+                <a16:creationId xmlns:a16="http://schemas.microsoft.com/office/drawing/2014/main" id="{DE447B8F-232C-41B0-899C-FD68828D0CAA}"/>
+              </a:ext>
+            </a:extLst>
+          </p:cNvPr>
+          <p:cNvSpPr txBox="1"/>
+          <p:nvPr/>
+        </p:nvSpPr>
+        <p:spPr>
+          <a:xfrm>
+            <a:off x="12109254" y="5907321"/>
+            <a:ext cx="1957587" cy="369332"/>
+          </a:xfrm>
+          <a:prstGeom prst="rect">
+            <a:avLst/>
+          </a:prstGeom>
+          <a:noFill/>
+        </p:spPr>
+        <p:txBody>
+          <a:bodyPr wrap="none" rtlCol="0">
+            <a:spAutoFit/>
+          </a:bodyPr>
+          <a:lstStyle/>
+          <a:p>
+            <a:r>
+              <a:rPr lang="en-US" altLang="zh-CN" b="0" dirty="0">
+                <a:solidFill>
+                  <a:srgbClr val="4FC1FF"/>
+                </a:solidFill>
+                <a:effectLst/>
+                <a:latin typeface="Consolas" panose="020B0609020204030204" pitchFamily="49" charset="0"/>
+              </a:rPr>
+              <a:t>MEDIATOR_QUEUE</a:t>
+            </a:r>
+            <a:endParaRPr lang="en-US" altLang="zh-CN" b="0" dirty="0">
+              <a:solidFill>
+                <a:srgbClr val="D4D4D4"/>
+              </a:solidFill>
+              <a:effectLst/>
+              <a:latin typeface="Consolas" panose="020B0609020204030204" pitchFamily="49" charset="0"/>
+            </a:endParaRPr>
           </a:p>
         </p:txBody>
       </p:sp>
